--- a/Daily Agendas/Day1.1_CanYouCatchIt.pptx
+++ b/Daily Agendas/Day1.1_CanYouCatchIt.pptx
@@ -304,7 +304,7 @@
             <a:fld id="{1D8BD707-D9CF-40AE-B4C6-C98DA3205C09}" type="datetimeFigureOut">
               <a:rPr lang="en-US" smtClean="0"/>
               <a:pPr/>
-              <a:t>1/30/2020</a:t>
+              <a:t>2/3/2020</a:t>
             </a:fld>
             <a:endParaRPr lang="en-US"/>
           </a:p>
@@ -469,7 +469,7 @@
             <a:fld id="{1D8BD707-D9CF-40AE-B4C6-C98DA3205C09}" type="datetimeFigureOut">
               <a:rPr lang="en-US" smtClean="0"/>
               <a:pPr/>
-              <a:t>1/30/2020</a:t>
+              <a:t>2/3/2020</a:t>
             </a:fld>
             <a:endParaRPr lang="en-US"/>
           </a:p>
@@ -644,7 +644,7 @@
             <a:fld id="{1D8BD707-D9CF-40AE-B4C6-C98DA3205C09}" type="datetimeFigureOut">
               <a:rPr lang="en-US" smtClean="0"/>
               <a:pPr/>
-              <a:t>1/30/2020</a:t>
+              <a:t>2/3/2020</a:t>
             </a:fld>
             <a:endParaRPr lang="en-US"/>
           </a:p>
@@ -809,7 +809,7 @@
             <a:fld id="{1D8BD707-D9CF-40AE-B4C6-C98DA3205C09}" type="datetimeFigureOut">
               <a:rPr lang="en-US" smtClean="0"/>
               <a:pPr/>
-              <a:t>1/30/2020</a:t>
+              <a:t>2/3/2020</a:t>
             </a:fld>
             <a:endParaRPr lang="en-US"/>
           </a:p>
@@ -1051,7 +1051,7 @@
             <a:fld id="{1D8BD707-D9CF-40AE-B4C6-C98DA3205C09}" type="datetimeFigureOut">
               <a:rPr lang="en-US" smtClean="0"/>
               <a:pPr/>
-              <a:t>1/30/2020</a:t>
+              <a:t>2/3/2020</a:t>
             </a:fld>
             <a:endParaRPr lang="en-US"/>
           </a:p>
@@ -1333,7 +1333,7 @@
             <a:fld id="{1D8BD707-D9CF-40AE-B4C6-C98DA3205C09}" type="datetimeFigureOut">
               <a:rPr lang="en-US" smtClean="0"/>
               <a:pPr/>
-              <a:t>1/30/2020</a:t>
+              <a:t>2/3/2020</a:t>
             </a:fld>
             <a:endParaRPr lang="en-US"/>
           </a:p>
@@ -1749,7 +1749,7 @@
             <a:fld id="{1D8BD707-D9CF-40AE-B4C6-C98DA3205C09}" type="datetimeFigureOut">
               <a:rPr lang="en-US" smtClean="0"/>
               <a:pPr/>
-              <a:t>1/30/2020</a:t>
+              <a:t>2/3/2020</a:t>
             </a:fld>
             <a:endParaRPr lang="en-US"/>
           </a:p>
@@ -1863,7 +1863,7 @@
             <a:fld id="{1D8BD707-D9CF-40AE-B4C6-C98DA3205C09}" type="datetimeFigureOut">
               <a:rPr lang="en-US" smtClean="0"/>
               <a:pPr/>
-              <a:t>1/30/2020</a:t>
+              <a:t>2/3/2020</a:t>
             </a:fld>
             <a:endParaRPr lang="en-US"/>
           </a:p>
@@ -1955,7 +1955,7 @@
             <a:fld id="{1D8BD707-D9CF-40AE-B4C6-C98DA3205C09}" type="datetimeFigureOut">
               <a:rPr lang="en-US" smtClean="0"/>
               <a:pPr/>
-              <a:t>1/30/2020</a:t>
+              <a:t>2/3/2020</a:t>
             </a:fld>
             <a:endParaRPr lang="en-US"/>
           </a:p>
@@ -2227,7 +2227,7 @@
             <a:fld id="{1D8BD707-D9CF-40AE-B4C6-C98DA3205C09}" type="datetimeFigureOut">
               <a:rPr lang="en-US" smtClean="0"/>
               <a:pPr/>
-              <a:t>1/30/2020</a:t>
+              <a:t>2/3/2020</a:t>
             </a:fld>
             <a:endParaRPr lang="en-US"/>
           </a:p>
@@ -2476,7 +2476,7 @@
             <a:fld id="{1D8BD707-D9CF-40AE-B4C6-C98DA3205C09}" type="datetimeFigureOut">
               <a:rPr lang="en-US" smtClean="0"/>
               <a:pPr/>
-              <a:t>1/30/2020</a:t>
+              <a:t>2/3/2020</a:t>
             </a:fld>
             <a:endParaRPr lang="en-US"/>
           </a:p>
@@ -2684,7 +2684,7 @@
             <a:fld id="{1D8BD707-D9CF-40AE-B4C6-C98DA3205C09}" type="datetimeFigureOut">
               <a:rPr lang="en-US" smtClean="0"/>
               <a:pPr/>
-              <a:t>1/30/2020</a:t>
+              <a:t>2/3/2020</a:t>
             </a:fld>
             <a:endParaRPr lang="en-US"/>
           </a:p>
@@ -3169,8 +3169,16 @@
           <a:lstStyle/>
           <a:p>
             <a:r>
+              <a:rPr lang="en-US" dirty="0" smtClean="0"/>
+              <a:t>Can </a:t>
+            </a:r>
+            <a:r>
+              <a:rPr lang="en-US" smtClean="0"/>
+              <a:t>You Catch It </a:t>
+            </a:r>
+            <a:r>
               <a:rPr lang="en-US" dirty="0"/>
-              <a:t>Welcome – </a:t>
+              <a:t>– </a:t>
             </a:r>
             <a:r>
               <a:rPr lang="en-US" dirty="0" smtClean="0"/>
@@ -3269,11 +3277,7 @@
             <a:pPr lvl="1"/>
             <a:r>
               <a:rPr lang="en-US" sz="2400" dirty="0" smtClean="0"/>
-              <a:t>Wed</a:t>
-            </a:r>
-            <a:r>
-              <a:rPr lang="en-US" sz="2400" dirty="0" smtClean="0"/>
-              <a:t>. Feb 05: </a:t>
+              <a:t>Wed. Feb 05: </a:t>
             </a:r>
             <a:r>
               <a:rPr lang="en-US" sz="2400" dirty="0"/>
